--- a/FinalTask_IDX Partners_DE_Jalalul Mu'ti.pptx
+++ b/FinalTask_IDX Partners_DE_Jalalul Mu'ti.pptx
@@ -11883,15 +11883,15 @@
               <a:buNone/>
             </a:pPr>
             <a:r>
-              <a:rPr lang="en" sz="4500" b="1">
+              <a:rPr lang="en" sz="4500" b="1" dirty="0">
                 <a:latin typeface="Rubik"/>
                 <a:ea typeface="Rubik"/>
                 <a:cs typeface="Rubik"/>
                 <a:sym typeface="Rubik"/>
               </a:rPr>
-              <a:t>Insert Your Link Github Here</a:t>
-            </a:r>
-            <a:endParaRPr sz="4500" b="1">
+              <a:t>Link Github</a:t>
+            </a:r>
+            <a:endParaRPr sz="4500" b="1" dirty="0">
               <a:latin typeface="Rubik"/>
               <a:ea typeface="Rubik"/>
               <a:cs typeface="Rubik"/>
@@ -11936,7 +11936,7 @@
         <p:spPr>
           <a:xfrm>
             <a:off x="340500" y="2843463"/>
-            <a:ext cx="8376900" cy="400200"/>
+            <a:ext cx="8376900" cy="615523"/>
           </a:xfrm>
           <a:prstGeom prst="rect">
             <a:avLst/>
@@ -11962,33 +11962,33 @@
               <a:buNone/>
             </a:pPr>
             <a:r>
-              <a:rPr lang="en">
+              <a:rPr lang="en-ID" dirty="0">
                 <a:latin typeface="Rubik"/>
                 <a:ea typeface="Rubik"/>
                 <a:cs typeface="Rubik"/>
                 <a:sym typeface="Rubik"/>
-              </a:rPr>
-              <a:t>You can add </a:t>
-            </a:r>
-            <a:r>
-              <a:rPr lang="en" b="1">
-                <a:latin typeface="Rubik"/>
-                <a:ea typeface="Rubik"/>
-                <a:cs typeface="Rubik"/>
-                <a:sym typeface="Rubik"/>
-              </a:rPr>
-              <a:t>link GitHub </a:t>
-            </a:r>
-            <a:r>
-              <a:rPr lang="en">
-                <a:latin typeface="Rubik"/>
-                <a:ea typeface="Rubik"/>
-                <a:cs typeface="Rubik"/>
-                <a:sym typeface="Rubik"/>
-              </a:rPr>
-              <a:t>also (optional)</a:t>
-            </a:r>
-            <a:endParaRPr i="1">
+                <a:hlinkClick r:id="rId5"/>
+              </a:rPr>
+              <a:t>https://github.com/Jalalul2002/VIX-IDX-DataEngineer</a:t>
+            </a:r>
+            <a:endParaRPr lang="en-ID" dirty="0">
+              <a:latin typeface="Rubik"/>
+              <a:ea typeface="Rubik"/>
+              <a:cs typeface="Rubik"/>
+              <a:sym typeface="Rubik"/>
+            </a:endParaRPr>
+          </a:p>
+          <a:p>
+            <a:pPr marL="0" lvl="0" indent="0" algn="ctr" rtl="0">
+              <a:spcBef>
+                <a:spcPts val="0"/>
+              </a:spcBef>
+              <a:spcAft>
+                <a:spcPts val="0"/>
+              </a:spcAft>
+              <a:buNone/>
+            </a:pPr>
+            <a:endParaRPr lang="en-ID" dirty="0">
               <a:latin typeface="Rubik"/>
               <a:ea typeface="Rubik"/>
               <a:cs typeface="Rubik"/>
@@ -13000,15 +13000,15 @@
               <a:buNone/>
             </a:pPr>
             <a:r>
-              <a:rPr lang="en" sz="5000" b="1">
+              <a:rPr lang="en" sz="5000" b="1" dirty="0">
                 <a:latin typeface="Rubik"/>
                 <a:ea typeface="Rubik"/>
                 <a:cs typeface="Rubik"/>
                 <a:sym typeface="Rubik"/>
               </a:rPr>
-              <a:t>Video Presentation Here</a:t>
-            </a:r>
-            <a:endParaRPr sz="5000" b="1">
+              <a:t>Video Presentation</a:t>
+            </a:r>
+            <a:endParaRPr sz="5000" b="1" dirty="0">
               <a:latin typeface="Rubik"/>
               <a:ea typeface="Rubik"/>
               <a:cs typeface="Rubik"/>
@@ -13053,7 +13053,7 @@
         <p:spPr>
           <a:xfrm>
             <a:off x="340500" y="2843463"/>
-            <a:ext cx="8376900" cy="400200"/>
+            <a:ext cx="8376900" cy="615523"/>
           </a:xfrm>
           <a:prstGeom prst="rect">
             <a:avLst/>
@@ -13079,15 +13079,33 @@
               <a:buNone/>
             </a:pPr>
             <a:r>
-              <a:rPr lang="en">
+              <a:rPr lang="en-ID" dirty="0">
                 <a:latin typeface="Rubik"/>
                 <a:ea typeface="Rubik"/>
                 <a:cs typeface="Rubik"/>
                 <a:sym typeface="Rubik"/>
-              </a:rPr>
-              <a:t>Please insert your link video here (You can upload the video on YouTube or Google Drive first)!</a:t>
-            </a:r>
-            <a:endParaRPr>
+                <a:hlinkClick r:id="rId5"/>
+              </a:rPr>
+              <a:t>https://youtu.be/fokamHd7IEs</a:t>
+            </a:r>
+            <a:endParaRPr lang="en-ID" dirty="0">
+              <a:latin typeface="Rubik"/>
+              <a:ea typeface="Rubik"/>
+              <a:cs typeface="Rubik"/>
+              <a:sym typeface="Rubik"/>
+            </a:endParaRPr>
+          </a:p>
+          <a:p>
+            <a:pPr marL="0" lvl="0" indent="0" algn="ctr" rtl="0">
+              <a:spcBef>
+                <a:spcPts val="0"/>
+              </a:spcBef>
+              <a:spcAft>
+                <a:spcPts val="0"/>
+              </a:spcAft>
+              <a:buNone/>
+            </a:pPr>
+            <a:endParaRPr dirty="0">
               <a:latin typeface="Rubik"/>
               <a:ea typeface="Rubik"/>
               <a:cs typeface="Rubik"/>
@@ -13307,70 +13325,35 @@
           </a:p>
         </p:txBody>
       </p:sp>
-      <p:sp>
-        <p:nvSpPr>
-          <p:cNvPr id="130" name="Google Shape;130;p20"/>
-          <p:cNvSpPr/>
+      <p:pic>
+        <p:nvPicPr>
+          <p:cNvPr id="2" name="Picture 1">
+            <a:extLst>
+              <a:ext uri="{FF2B5EF4-FFF2-40B4-BE49-F238E27FC236}">
+                <a16:creationId xmlns:a16="http://schemas.microsoft.com/office/drawing/2014/main" id="{1F998AE3-0866-0C5A-CB3D-D01DAAC7B4B9}"/>
+              </a:ext>
+            </a:extLst>
+          </p:cNvPr>
+          <p:cNvPicPr>
+            <a:picLocks noChangeAspect="1"/>
+          </p:cNvPicPr>
           <p:nvPr/>
-        </p:nvSpPr>
-        <p:spPr>
-          <a:xfrm>
-            <a:off x="4871775" y="4301225"/>
-            <a:ext cx="1538100" cy="541200"/>
+        </p:nvPicPr>
+        <p:blipFill rotWithShape="1">
+          <a:blip r:embed="rId5"/>
+          <a:srcRect l="2822" t="19601" r="596" b="16165"/>
+          <a:stretch/>
+        </p:blipFill>
+        <p:spPr>
+          <a:xfrm>
+            <a:off x="4827694" y="4442961"/>
+            <a:ext cx="1046929" cy="257728"/>
           </a:xfrm>
           <a:prstGeom prst="rect">
             <a:avLst/>
           </a:prstGeom>
-          <a:noFill/>
-          <a:ln w="19050" cap="flat" cmpd="sng">
-            <a:solidFill>
-              <a:schemeClr val="lt1"/>
-            </a:solidFill>
-            <a:prstDash val="solid"/>
-            <a:round/>
-            <a:headEnd type="none" w="sm" len="sm"/>
-            <a:tailEnd type="none" w="sm" len="sm"/>
-          </a:ln>
-        </p:spPr>
-        <p:txBody>
-          <a:bodyPr spcFirstLastPara="1" wrap="square" lIns="91425" tIns="91425" rIns="91425" bIns="91425" anchor="ctr" anchorCtr="0">
-            <a:noAutofit/>
-          </a:bodyPr>
-          <a:lstStyle/>
-          <a:p>
-            <a:pPr marL="0" lvl="0" indent="0" algn="ctr" rtl="0">
-              <a:spcBef>
-                <a:spcPts val="0"/>
-              </a:spcBef>
-              <a:spcAft>
-                <a:spcPts val="0"/>
-              </a:spcAft>
-              <a:buNone/>
-            </a:pPr>
-            <a:r>
-              <a:rPr lang="en">
-                <a:solidFill>
-                  <a:schemeClr val="lt1"/>
-                </a:solidFill>
-                <a:latin typeface="Rubik Medium"/>
-                <a:ea typeface="Rubik Medium"/>
-                <a:cs typeface="Rubik Medium"/>
-                <a:sym typeface="Rubik Medium"/>
-              </a:rPr>
-              <a:t>Logo Company</a:t>
-            </a:r>
-            <a:endParaRPr>
-              <a:solidFill>
-                <a:schemeClr val="lt1"/>
-              </a:solidFill>
-              <a:latin typeface="Rubik Medium"/>
-              <a:ea typeface="Rubik Medium"/>
-              <a:cs typeface="Rubik Medium"/>
-              <a:sym typeface="Rubik Medium"/>
-            </a:endParaRPr>
-          </a:p>
-        </p:txBody>
-      </p:sp>
+        </p:spPr>
+      </p:pic>
     </p:spTree>
   </p:cSld>
   <p:clrMapOvr>
